--- a/04. Java.pptx
+++ b/04. Java.pptx
@@ -223,7 +223,7 @@
           <a:p>
             <a:fld id="{B0EC1983-467D-4060-A705-8C2B373965CE}" type="datetimeFigureOut">
               <a:rPr lang="ru-RU" smtClean="0"/>
-              <a:t>08.01.2018</a:t>
+              <a:t>09.01.2018</a:t>
             </a:fld>
             <a:endParaRPr lang="ru-RU"/>
           </a:p>
@@ -2001,7 +2001,7 @@
             <a:fld id="{B61BEF0D-F0BB-DE4B-95CE-6DB70DBA9567}" type="datetimeFigureOut">
               <a:rPr lang="en-US" dirty="0"/>
               <a:pPr/>
-              <a:t>1/8/2018</a:t>
+              <a:t>1/9/2018</a:t>
             </a:fld>
             <a:endParaRPr lang="en-US" dirty="0"/>
           </a:p>
@@ -2249,7 +2249,7 @@
             <a:fld id="{B61BEF0D-F0BB-DE4B-95CE-6DB70DBA9567}" type="datetimeFigureOut">
               <a:rPr lang="en-US" dirty="0"/>
               <a:pPr/>
-              <a:t>1/8/2018</a:t>
+              <a:t>1/9/2018</a:t>
             </a:fld>
             <a:endParaRPr lang="en-US" dirty="0"/>
           </a:p>
@@ -2560,7 +2560,7 @@
             <a:fld id="{B61BEF0D-F0BB-DE4B-95CE-6DB70DBA9567}" type="datetimeFigureOut">
               <a:rPr lang="en-US" dirty="0"/>
               <a:pPr/>
-              <a:t>1/8/2018</a:t>
+              <a:t>1/9/2018</a:t>
             </a:fld>
             <a:endParaRPr lang="en-US" dirty="0"/>
           </a:p>
@@ -2890,7 +2890,7 @@
             <a:fld id="{B61BEF0D-F0BB-DE4B-95CE-6DB70DBA9567}" type="datetimeFigureOut">
               <a:rPr lang="en-US" dirty="0"/>
               <a:pPr/>
-              <a:t>1/8/2018</a:t>
+              <a:t>1/9/2018</a:t>
             </a:fld>
             <a:endParaRPr lang="en-US" dirty="0"/>
           </a:p>
@@ -3201,7 +3201,7 @@
             <a:fld id="{B61BEF0D-F0BB-DE4B-95CE-6DB70DBA9567}" type="datetimeFigureOut">
               <a:rPr lang="en-US" dirty="0"/>
               <a:pPr/>
-              <a:t>1/8/2018</a:t>
+              <a:t>1/9/2018</a:t>
             </a:fld>
             <a:endParaRPr lang="en-US" dirty="0"/>
           </a:p>
@@ -3591,7 +3591,7 @@
             <a:fld id="{B61BEF0D-F0BB-DE4B-95CE-6DB70DBA9567}" type="datetimeFigureOut">
               <a:rPr lang="en-US" dirty="0"/>
               <a:pPr/>
-              <a:t>1/8/2018</a:t>
+              <a:t>1/9/2018</a:t>
             </a:fld>
             <a:endParaRPr lang="en-US" dirty="0"/>
           </a:p>
@@ -3757,7 +3757,7 @@
           <a:p>
             <a:fld id="{55C6B4A9-1611-4792-9094-5F34BCA07E0B}" type="datetimeFigureOut">
               <a:rPr lang="en-US" dirty="0"/>
-              <a:t>1/8/2018</a:t>
+              <a:t>1/9/2018</a:t>
             </a:fld>
             <a:endParaRPr lang="en-US" dirty="0"/>
           </a:p>
@@ -3933,7 +3933,7 @@
             <a:fld id="{B61BEF0D-F0BB-DE4B-95CE-6DB70DBA9567}" type="datetimeFigureOut">
               <a:rPr lang="en-US" dirty="0"/>
               <a:pPr/>
-              <a:t>1/8/2018</a:t>
+              <a:t>1/9/2018</a:t>
             </a:fld>
             <a:endParaRPr lang="en-US" dirty="0"/>
           </a:p>
@@ -4129,7 +4129,7 @@
           <a:p>
             <a:fld id="{42A54C80-263E-416B-A8E0-580EDEADCBDC}" type="datetimeFigureOut">
               <a:rPr lang="en-US" dirty="0"/>
-              <a:t>1/8/2018</a:t>
+              <a:t>1/9/2018</a:t>
             </a:fld>
             <a:endParaRPr lang="en-US" dirty="0"/>
           </a:p>
@@ -4372,7 +4372,7 @@
             <a:fld id="{B61BEF0D-F0BB-DE4B-95CE-6DB70DBA9567}" type="datetimeFigureOut">
               <a:rPr lang="en-US" dirty="0"/>
               <a:pPr/>
-              <a:t>1/8/2018</a:t>
+              <a:t>1/9/2018</a:t>
             </a:fld>
             <a:endParaRPr lang="en-US" dirty="0"/>
           </a:p>
@@ -4600,7 +4600,7 @@
           <a:p>
             <a:fld id="{42A54C80-263E-416B-A8E0-580EDEADCBDC}" type="datetimeFigureOut">
               <a:rPr lang="en-US" dirty="0"/>
-              <a:t>1/8/2018</a:t>
+              <a:t>1/9/2018</a:t>
             </a:fld>
             <a:endParaRPr lang="en-US" dirty="0"/>
           </a:p>
@@ -4970,7 +4970,7 @@
             <a:fld id="{B61BEF0D-F0BB-DE4B-95CE-6DB70DBA9567}" type="datetimeFigureOut">
               <a:rPr lang="en-US" dirty="0"/>
               <a:pPr/>
-              <a:t>1/8/2018</a:t>
+              <a:t>1/9/2018</a:t>
             </a:fld>
             <a:endParaRPr lang="en-US" dirty="0"/>
           </a:p>
@@ -5090,7 +5090,7 @@
             <a:fld id="{B61BEF0D-F0BB-DE4B-95CE-6DB70DBA9567}" type="datetimeFigureOut">
               <a:rPr lang="en-US" dirty="0"/>
               <a:pPr/>
-              <a:t>1/8/2018</a:t>
+              <a:t>1/9/2018</a:t>
             </a:fld>
             <a:endParaRPr lang="en-US" dirty="0"/>
           </a:p>
@@ -5182,7 +5182,7 @@
             <a:fld id="{B61BEF0D-F0BB-DE4B-95CE-6DB70DBA9567}" type="datetimeFigureOut">
               <a:rPr lang="en-US" dirty="0"/>
               <a:pPr/>
-              <a:t>1/8/2018</a:t>
+              <a:t>1/9/2018</a:t>
             </a:fld>
             <a:endParaRPr lang="en-US" dirty="0"/>
           </a:p>
@@ -5433,7 +5433,7 @@
           <a:p>
             <a:fld id="{42A54C80-263E-416B-A8E0-580EDEADCBDC}" type="datetimeFigureOut">
               <a:rPr lang="en-US" dirty="0"/>
-              <a:t>1/8/2018</a:t>
+              <a:t>1/9/2018</a:t>
             </a:fld>
             <a:endParaRPr lang="en-US" dirty="0"/>
           </a:p>
@@ -5735,7 +5735,7 @@
             <a:fld id="{B61BEF0D-F0BB-DE4B-95CE-6DB70DBA9567}" type="datetimeFigureOut">
               <a:rPr lang="en-US" dirty="0"/>
               <a:pPr/>
-              <a:t>1/8/2018</a:t>
+              <a:t>1/9/2018</a:t>
             </a:fld>
             <a:endParaRPr lang="en-US" dirty="0"/>
           </a:p>
@@ -6433,7 +6433,7 @@
             <a:fld id="{B61BEF0D-F0BB-DE4B-95CE-6DB70DBA9567}" type="datetimeFigureOut">
               <a:rPr lang="en-US" dirty="0"/>
               <a:pPr/>
-              <a:t>1/8/2018</a:t>
+              <a:t>1/9/2018</a:t>
             </a:fld>
             <a:endParaRPr lang="en-US" dirty="0"/>
           </a:p>
@@ -6997,7 +6997,7 @@
             </a:br>
             <a:r>
               <a:rPr lang="ru-RU" dirty="0"/>
-              <a:t>работы с потоками. Работа с сетью</a:t>
+              <a:t>работы с потоками. </a:t>
             </a:r>
           </a:p>
         </p:txBody>
@@ -7026,7 +7026,7 @@
         </p:spPr>
         <p:txBody>
           <a:bodyPr>
-            <a:normAutofit fontScale="92500" lnSpcReduction="20000"/>
+            <a:normAutofit/>
           </a:bodyPr>
           <a:lstStyle/>
           <a:p>
@@ -7062,10 +7062,8 @@
             </a:r>
             <a:r>
               <a:rPr lang="ru-RU" dirty="0"/>
-              <a:t>. Работа с сетью, сокеты.</a:t>
-            </a:r>
-          </a:p>
-          <a:p>
+              <a:t>. </a:t>
+            </a:r>
             <a:br>
               <a:rPr lang="ru-RU" dirty="0"/>
             </a:br>
